--- a/Documentacion/Proyecto/Presentacion JANFOX.pptx
+++ b/Documentacion/Proyecto/Presentacion JANFOX.pptx
@@ -214,7 +214,7 @@
           <a:effectLst/>
           <a:extLst>
             <a:ext uri="{91240B29-F687-4f45-9708-019B960494DF}">
-              <a14:hiddenLine xmlns="" xmlns:a14="http://schemas.microsoft.com/office/drawing/2010/main" w="9525">
+              <a14:hiddenLine xmlns:a14="http://schemas.microsoft.com/office/drawing/2010/main" xmlns="" w="9525">
                 <a:solidFill>
                   <a:srgbClr val="000000"/>
                 </a:solidFill>
@@ -406,7 +406,7 @@
           <a:p>
             <a:fld id="{EA59A305-14C6-4C0C-89F8-88B610933024}" type="datetimeFigureOut">
               <a:rPr lang="es-CO" smtClean="0"/>
-              <a:t>21/04/2021</a:t>
+              <a:t>22/04/2021</a:t>
             </a:fld>
             <a:endParaRPr lang="es-CO"/>
           </a:p>
@@ -724,7 +724,7 @@
           <a:p>
             <a:fld id="{EA59A305-14C6-4C0C-89F8-88B610933024}" type="datetimeFigureOut">
               <a:rPr lang="es-CO" smtClean="0"/>
-              <a:t>21/04/2021</a:t>
+              <a:t>22/04/2021</a:t>
             </a:fld>
             <a:endParaRPr lang="es-CO"/>
           </a:p>
@@ -1212,7 +1212,7 @@
           <a:p>
             <a:fld id="{EA59A305-14C6-4C0C-89F8-88B610933024}" type="datetimeFigureOut">
               <a:rPr lang="es-CO" smtClean="0"/>
-              <a:t>21/04/2021</a:t>
+              <a:t>22/04/2021</a:t>
             </a:fld>
             <a:endParaRPr lang="es-CO"/>
           </a:p>
@@ -1581,7 +1581,7 @@
           <a:p>
             <a:fld id="{EA59A305-14C6-4C0C-89F8-88B610933024}" type="datetimeFigureOut">
               <a:rPr lang="es-CO" smtClean="0"/>
-              <a:t>21/04/2021</a:t>
+              <a:t>22/04/2021</a:t>
             </a:fld>
             <a:endParaRPr lang="es-CO"/>
           </a:p>
@@ -1736,7 +1736,7 @@
           <a:ln/>
           <a:extLst>
             <a:ext uri="{91240B29-F687-4f45-9708-019B960494DF}">
-              <a14:hiddenLine xmlns="" xmlns:a14="http://schemas.microsoft.com/office/drawing/2010/main" w="9525">
+              <a14:hiddenLine xmlns:a14="http://schemas.microsoft.com/office/drawing/2010/main" xmlns="" w="9525">
                 <a:solidFill>
                   <a:srgbClr val="000000"/>
                 </a:solidFill>
@@ -1854,7 +1854,7 @@
           <a:p>
             <a:fld id="{EA59A305-14C6-4C0C-89F8-88B610933024}" type="datetimeFigureOut">
               <a:rPr lang="es-CO" smtClean="0"/>
-              <a:t>21/04/2021</a:t>
+              <a:t>22/04/2021</a:t>
             </a:fld>
             <a:endParaRPr lang="es-CO"/>
           </a:p>
@@ -2011,7 +2011,7 @@
           <a:ln/>
           <a:extLst>
             <a:ext uri="{91240B29-F687-4f45-9708-019B960494DF}">
-              <a14:hiddenLine xmlns="" xmlns:a14="http://schemas.microsoft.com/office/drawing/2010/main" w="9525">
+              <a14:hiddenLine xmlns:a14="http://schemas.microsoft.com/office/drawing/2010/main" xmlns="" w="9525">
                 <a:solidFill>
                   <a:srgbClr val="000000"/>
                 </a:solidFill>
@@ -2139,7 +2139,7 @@
           <a:p>
             <a:fld id="{EA59A305-14C6-4C0C-89F8-88B610933024}" type="datetimeFigureOut">
               <a:rPr lang="es-CO" smtClean="0"/>
-              <a:t>21/04/2021</a:t>
+              <a:t>22/04/2021</a:t>
             </a:fld>
             <a:endParaRPr lang="es-CO"/>
           </a:p>
@@ -2294,7 +2294,7 @@
           <a:ln/>
           <a:extLst>
             <a:ext uri="{91240B29-F687-4f45-9708-019B960494DF}">
-              <a14:hiddenLine xmlns="" xmlns:a14="http://schemas.microsoft.com/office/drawing/2010/main" w="9525">
+              <a14:hiddenLine xmlns:a14="http://schemas.microsoft.com/office/drawing/2010/main" xmlns="" w="9525">
                 <a:solidFill>
                   <a:srgbClr val="000000"/>
                 </a:solidFill>
@@ -2422,7 +2422,7 @@
           <a:p>
             <a:fld id="{EA59A305-14C6-4C0C-89F8-88B610933024}" type="datetimeFigureOut">
               <a:rPr lang="es-CO" smtClean="0"/>
-              <a:t>21/04/2021</a:t>
+              <a:t>22/04/2021</a:t>
             </a:fld>
             <a:endParaRPr lang="es-CO"/>
           </a:p>
@@ -2765,7 +2765,7 @@
           <a:p>
             <a:fld id="{EA59A305-14C6-4C0C-89F8-88B610933024}" type="datetimeFigureOut">
               <a:rPr lang="es-CO" smtClean="0"/>
-              <a:t>21/04/2021</a:t>
+              <a:t>22/04/2021</a:t>
             </a:fld>
             <a:endParaRPr lang="es-CO"/>
           </a:p>
@@ -2920,7 +2920,7 @@
           <a:ln/>
           <a:extLst>
             <a:ext uri="{91240B29-F687-4f45-9708-019B960494DF}">
-              <a14:hiddenLine xmlns="" xmlns:a14="http://schemas.microsoft.com/office/drawing/2010/main" w="9525">
+              <a14:hiddenLine xmlns:a14="http://schemas.microsoft.com/office/drawing/2010/main" xmlns="" w="9525">
                 <a:solidFill>
                   <a:srgbClr val="000000"/>
                 </a:solidFill>
@@ -3104,7 +3104,7 @@
           <a:p>
             <a:fld id="{EA59A305-14C6-4C0C-89F8-88B610933024}" type="datetimeFigureOut">
               <a:rPr lang="es-CO" smtClean="0"/>
-              <a:t>21/04/2021</a:t>
+              <a:t>22/04/2021</a:t>
             </a:fld>
             <a:endParaRPr lang="es-CO"/>
           </a:p>
@@ -3259,7 +3259,7 @@
           <a:ln/>
           <a:extLst>
             <a:ext uri="{91240B29-F687-4f45-9708-019B960494DF}">
-              <a14:hiddenLine xmlns="" xmlns:a14="http://schemas.microsoft.com/office/drawing/2010/main" w="9525">
+              <a14:hiddenLine xmlns:a14="http://schemas.microsoft.com/office/drawing/2010/main" xmlns="" w="9525">
                 <a:solidFill>
                   <a:srgbClr val="000000"/>
                 </a:solidFill>
@@ -3581,7 +3581,7 @@
           <a:p>
             <a:fld id="{EA59A305-14C6-4C0C-89F8-88B610933024}" type="datetimeFigureOut">
               <a:rPr lang="es-CO" smtClean="0"/>
-              <a:t>21/04/2021</a:t>
+              <a:t>22/04/2021</a:t>
             </a:fld>
             <a:endParaRPr lang="es-CO"/>
           </a:p>
@@ -3736,7 +3736,7 @@
           <a:ln/>
           <a:extLst>
             <a:ext uri="{91240B29-F687-4f45-9708-019B960494DF}">
-              <a14:hiddenLine xmlns="" xmlns:a14="http://schemas.microsoft.com/office/drawing/2010/main" w="9525">
+              <a14:hiddenLine xmlns:a14="http://schemas.microsoft.com/office/drawing/2010/main" xmlns="" w="9525">
                 <a:solidFill>
                   <a:srgbClr val="000000"/>
                 </a:solidFill>
@@ -3802,7 +3802,7 @@
           <a:p>
             <a:fld id="{EA59A305-14C6-4C0C-89F8-88B610933024}" type="datetimeFigureOut">
               <a:rPr lang="es-CO" smtClean="0"/>
-              <a:t>21/04/2021</a:t>
+              <a:t>22/04/2021</a:t>
             </a:fld>
             <a:endParaRPr lang="es-CO"/>
           </a:p>
@@ -3897,7 +3897,7 @@
           <a:p>
             <a:fld id="{EA59A305-14C6-4C0C-89F8-88B610933024}" type="datetimeFigureOut">
               <a:rPr lang="es-CO" smtClean="0"/>
-              <a:t>21/04/2021</a:t>
+              <a:t>22/04/2021</a:t>
             </a:fld>
             <a:endParaRPr lang="es-CO"/>
           </a:p>
@@ -4165,7 +4165,7 @@
           <a:ln/>
           <a:extLst>
             <a:ext uri="{91240B29-F687-4f45-9708-019B960494DF}">
-              <a14:hiddenLine xmlns="" xmlns:a14="http://schemas.microsoft.com/office/drawing/2010/main" w="9525">
+              <a14:hiddenLine xmlns:a14="http://schemas.microsoft.com/office/drawing/2010/main" xmlns="" w="9525">
                 <a:solidFill>
                   <a:srgbClr val="000000"/>
                 </a:solidFill>
@@ -4364,7 +4364,7 @@
           <a:p>
             <a:fld id="{EA59A305-14C6-4C0C-89F8-88B610933024}" type="datetimeFigureOut">
               <a:rPr lang="es-CO" smtClean="0"/>
-              <a:t>21/04/2021</a:t>
+              <a:t>22/04/2021</a:t>
             </a:fld>
             <a:endParaRPr lang="es-CO"/>
           </a:p>
@@ -4677,7 +4677,7 @@
           <a:p>
             <a:fld id="{EA59A305-14C6-4C0C-89F8-88B610933024}" type="datetimeFigureOut">
               <a:rPr lang="es-CO" smtClean="0"/>
-              <a:t>21/04/2021</a:t>
+              <a:t>22/04/2021</a:t>
             </a:fld>
             <a:endParaRPr lang="es-CO"/>
           </a:p>
@@ -4947,7 +4947,7 @@
           <a:p>
             <a:fld id="{EA59A305-14C6-4C0C-89F8-88B610933024}" type="datetimeFigureOut">
               <a:rPr lang="es-CO" smtClean="0"/>
-              <a:t>21/04/2021</a:t>
+              <a:t>22/04/2021</a:t>
             </a:fld>
             <a:endParaRPr lang="es-CO"/>
           </a:p>
